--- a/WorkshopDay2/Praesentation/Einführung in die Programmierung mit CSharp Workshoptag II.pptx
+++ b/WorkshopDay2/Praesentation/Einführung in die Programmierung mit CSharp Workshoptag II.pptx
@@ -7955,7 +7955,13 @@
             </a:r>
           </a:p>
           <a:p>
-            <a:endParaRPr lang="de-DE" dirty="0"/>
+            <a:pPr marL="0" indent="0">
+              <a:buNone/>
+            </a:pPr>
+            <a:r>
+              <a:rPr lang="de-DE" dirty="0"/>
+              <a:t>Convert.ToInt32(stringwert)// konvertieren von zeichenketten in Integer</a:t>
+            </a:r>
           </a:p>
           <a:p>
             <a:r>
